--- a/perl.pptx
+++ b/perl.pptx
@@ -311,7 +311,7 @@
           <a:p>
             <a:fld id="{8C87D153-EE6B-4C98-8717-67C6F4E7C66F}" type="datetimeFigureOut">
               <a:rPr lang="en-US" smtClean="0"/>
-              <a:t>3/17/2015</a:t>
+              <a:t>10/27/2015</a:t>
             </a:fld>
             <a:endParaRPr lang="en-US"/>
           </a:p>
@@ -481,7 +481,7 @@
           <a:p>
             <a:fld id="{8C87D153-EE6B-4C98-8717-67C6F4E7C66F}" type="datetimeFigureOut">
               <a:rPr lang="en-US" smtClean="0"/>
-              <a:t>3/17/2015</a:t>
+              <a:t>10/27/2015</a:t>
             </a:fld>
             <a:endParaRPr lang="en-US"/>
           </a:p>
@@ -661,7 +661,7 @@
           <a:p>
             <a:fld id="{8C87D153-EE6B-4C98-8717-67C6F4E7C66F}" type="datetimeFigureOut">
               <a:rPr lang="en-US" smtClean="0"/>
-              <a:t>3/17/2015</a:t>
+              <a:t>10/27/2015</a:t>
             </a:fld>
             <a:endParaRPr lang="en-US"/>
           </a:p>
@@ -831,7 +831,7 @@
           <a:p>
             <a:fld id="{8C87D153-EE6B-4C98-8717-67C6F4E7C66F}" type="datetimeFigureOut">
               <a:rPr lang="en-US" smtClean="0"/>
-              <a:t>3/17/2015</a:t>
+              <a:t>10/27/2015</a:t>
             </a:fld>
             <a:endParaRPr lang="en-US"/>
           </a:p>
@@ -1077,7 +1077,7 @@
           <a:p>
             <a:fld id="{8C87D153-EE6B-4C98-8717-67C6F4E7C66F}" type="datetimeFigureOut">
               <a:rPr lang="en-US" smtClean="0"/>
-              <a:t>3/17/2015</a:t>
+              <a:t>10/27/2015</a:t>
             </a:fld>
             <a:endParaRPr lang="en-US"/>
           </a:p>
@@ -1365,7 +1365,7 @@
           <a:p>
             <a:fld id="{8C87D153-EE6B-4C98-8717-67C6F4E7C66F}" type="datetimeFigureOut">
               <a:rPr lang="en-US" smtClean="0"/>
-              <a:t>3/17/2015</a:t>
+              <a:t>10/27/2015</a:t>
             </a:fld>
             <a:endParaRPr lang="en-US"/>
           </a:p>
@@ -1787,7 +1787,7 @@
           <a:p>
             <a:fld id="{8C87D153-EE6B-4C98-8717-67C6F4E7C66F}" type="datetimeFigureOut">
               <a:rPr lang="en-US" smtClean="0"/>
-              <a:t>3/17/2015</a:t>
+              <a:t>10/27/2015</a:t>
             </a:fld>
             <a:endParaRPr lang="en-US"/>
           </a:p>
@@ -1905,7 +1905,7 @@
           <a:p>
             <a:fld id="{8C87D153-EE6B-4C98-8717-67C6F4E7C66F}" type="datetimeFigureOut">
               <a:rPr lang="en-US" smtClean="0"/>
-              <a:t>3/17/2015</a:t>
+              <a:t>10/27/2015</a:t>
             </a:fld>
             <a:endParaRPr lang="en-US"/>
           </a:p>
@@ -2000,7 +2000,7 @@
           <a:p>
             <a:fld id="{8C87D153-EE6B-4C98-8717-67C6F4E7C66F}" type="datetimeFigureOut">
               <a:rPr lang="en-US" smtClean="0"/>
-              <a:t>3/17/2015</a:t>
+              <a:t>10/27/2015</a:t>
             </a:fld>
             <a:endParaRPr lang="en-US"/>
           </a:p>
@@ -2277,7 +2277,7 @@
           <a:p>
             <a:fld id="{8C87D153-EE6B-4C98-8717-67C6F4E7C66F}" type="datetimeFigureOut">
               <a:rPr lang="en-US" smtClean="0"/>
-              <a:t>3/17/2015</a:t>
+              <a:t>10/27/2015</a:t>
             </a:fld>
             <a:endParaRPr lang="en-US"/>
           </a:p>
@@ -2530,7 +2530,7 @@
           <a:p>
             <a:fld id="{8C87D153-EE6B-4C98-8717-67C6F4E7C66F}" type="datetimeFigureOut">
               <a:rPr lang="en-US" smtClean="0"/>
-              <a:t>3/17/2015</a:t>
+              <a:t>10/27/2015</a:t>
             </a:fld>
             <a:endParaRPr lang="en-US"/>
           </a:p>
@@ -2743,7 +2743,7 @@
           <a:p>
             <a:fld id="{8C87D153-EE6B-4C98-8717-67C6F4E7C66F}" type="datetimeFigureOut">
               <a:rPr lang="en-US" smtClean="0"/>
-              <a:t>3/17/2015</a:t>
+              <a:t>10/27/2015</a:t>
             </a:fld>
             <a:endParaRPr lang="en-US"/>
           </a:p>
@@ -3172,7 +3172,6 @@
               <a:rPr lang="en-US" sz="3200" dirty="0" smtClean="0"/>
               <a:t>idea/expression/thinking</a:t>
             </a:r>
-            <a:endParaRPr lang="en-US" sz="3200" dirty="0" smtClean="0"/>
           </a:p>
           <a:p>
             <a:pPr marL="285750" indent="-285750">
@@ -3191,13 +3190,8 @@
             </a:pPr>
             <a:r>
               <a:rPr lang="en-US" sz="3200" dirty="0" smtClean="0"/>
-              <a:t>learn by </a:t>
-            </a:r>
-            <a:r>
-              <a:rPr lang="en-US" sz="3200" dirty="0" smtClean="0"/>
-              <a:t>doing, first by imitating</a:t>
-            </a:r>
-            <a:endParaRPr lang="en-US" sz="3200" dirty="0" smtClean="0"/>
+              <a:t>learn by doing, first by imitating</a:t>
+            </a:r>
           </a:p>
           <a:p>
             <a:pPr marL="285750" indent="-285750">
@@ -4620,15 +4614,7 @@
             </a:pPr>
             <a:r>
               <a:rPr lang="en-US" dirty="0" smtClean="0"/>
-              <a:t>1. </a:t>
-            </a:r>
-            <a:r>
-              <a:rPr lang="en-US" dirty="0" smtClean="0"/>
-              <a:t>Perl</a:t>
-            </a:r>
-            <a:r>
-              <a:rPr lang="en-US" dirty="0" smtClean="0"/>
-              <a:t> intro</a:t>
+              <a:t>1. Perl intro</a:t>
             </a:r>
             <a:endParaRPr lang="en-US" dirty="0"/>
           </a:p>
@@ -6079,8 +6065,8 @@
         </p:nvSpPr>
         <p:spPr>
           <a:xfrm>
-            <a:off x="827584" y="1916832"/>
-            <a:ext cx="7632848" cy="3046988"/>
+            <a:off x="824916" y="1556792"/>
+            <a:ext cx="7632848" cy="5016758"/>
           </a:xfrm>
           <a:prstGeom prst="rect">
             <a:avLst/>
@@ -6093,8 +6079,26 @@
           <a:lstStyle/>
           <a:p>
             <a:r>
-              <a:rPr lang="en-US" sz="3200" dirty="0" smtClean="0"/>
-              <a:t>$ @ % scalars, arrays, hashes and references</a:t>
+              <a:rPr lang="en-US" sz="3200" dirty="0"/>
+              <a:t>Not the kind of data they store</a:t>
+            </a:r>
+          </a:p>
+          <a:p>
+            <a:r>
+              <a:rPr lang="en-US" sz="3200" dirty="0"/>
+              <a:t>– String, Integer, Float, Boolean</a:t>
+            </a:r>
+          </a:p>
+          <a:p>
+            <a:r>
+              <a:rPr lang="en-US" sz="3200" dirty="0"/>
+              <a:t>● The amount of data</a:t>
+            </a:r>
+          </a:p>
+          <a:p>
+            <a:r>
+              <a:rPr lang="en-US" sz="3200" dirty="0"/>
+              <a:t>● How it is accessed</a:t>
             </a:r>
           </a:p>
           <a:p>
@@ -6103,7 +6107,11 @@
           <a:p>
             <a:r>
               <a:rPr lang="en-US" sz="3200" dirty="0" smtClean="0"/>
-              <a:t>context: Every expression in Perl is evaluated either in scalar context or list context</a:t>
+              <a:t>$ </a:t>
+            </a:r>
+            <a:r>
+              <a:rPr lang="en-US" sz="3200" dirty="0" smtClean="0"/>
+              <a:t>@ % scalars, arrays, hashes and references</a:t>
             </a:r>
           </a:p>
           <a:p>
@@ -6112,7 +6120,21 @@
           <a:p>
             <a:r>
               <a:rPr lang="en-US" sz="3200" dirty="0" smtClean="0"/>
-              <a:t>List is literal NOT variable</a:t>
+              <a:t>context</a:t>
+            </a:r>
+            <a:r>
+              <a:rPr lang="en-US" sz="3200" dirty="0" smtClean="0"/>
+              <a:t>: Every expression in Perl is evaluated either in scalar context or list context</a:t>
+            </a:r>
+          </a:p>
+          <a:p>
+            <a:r>
+              <a:rPr lang="en-US" sz="3200" dirty="0" smtClean="0"/>
+              <a:t>List </a:t>
+            </a:r>
+            <a:r>
+              <a:rPr lang="en-US" sz="3200" dirty="0" smtClean="0"/>
+              <a:t>is literal NOT variable</a:t>
             </a:r>
             <a:endParaRPr lang="en-US" sz="3200" dirty="0"/>
           </a:p>
